--- a/documentation/Figure_mzQuantML.pptx
+++ b/documentation/Figure_mzQuantML.pptx
@@ -199,7 +199,7 @@
             <a:fld id="{DC20C3EF-FD0B-4ECE-8C42-AEBDDC15D9BB}" type="datetimeFigureOut">
               <a:rPr lang="en-US" smtClean="0"/>
               <a:pPr/>
-              <a:t>11/27/2012</a:t>
+              <a:t>11/30/2012</a:t>
             </a:fld>
             <a:endParaRPr lang="en-GB" dirty="0"/>
           </a:p>
@@ -647,7 +647,7 @@
             <a:fld id="{F1B0A585-B98C-4925-8C89-C0255E725D3A}" type="datetimeFigureOut">
               <a:rPr lang="en-US" smtClean="0"/>
               <a:pPr/>
-              <a:t>11/27/2012</a:t>
+              <a:t>11/30/2012</a:t>
             </a:fld>
             <a:endParaRPr lang="en-GB" dirty="0"/>
           </a:p>
@@ -814,7 +814,7 @@
             <a:fld id="{F1B0A585-B98C-4925-8C89-C0255E725D3A}" type="datetimeFigureOut">
               <a:rPr lang="en-US" smtClean="0"/>
               <a:pPr/>
-              <a:t>11/27/2012</a:t>
+              <a:t>11/30/2012</a:t>
             </a:fld>
             <a:endParaRPr lang="en-GB" dirty="0"/>
           </a:p>
@@ -991,7 +991,7 @@
             <a:fld id="{F1B0A585-B98C-4925-8C89-C0255E725D3A}" type="datetimeFigureOut">
               <a:rPr lang="en-US" smtClean="0"/>
               <a:pPr/>
-              <a:t>11/27/2012</a:t>
+              <a:t>11/30/2012</a:t>
             </a:fld>
             <a:endParaRPr lang="en-GB" dirty="0"/>
           </a:p>
@@ -1158,7 +1158,7 @@
             <a:fld id="{F1B0A585-B98C-4925-8C89-C0255E725D3A}" type="datetimeFigureOut">
               <a:rPr lang="en-US" smtClean="0"/>
               <a:pPr/>
-              <a:t>11/27/2012</a:t>
+              <a:t>11/30/2012</a:t>
             </a:fld>
             <a:endParaRPr lang="en-GB" dirty="0"/>
           </a:p>
@@ -1401,7 +1401,7 @@
             <a:fld id="{F1B0A585-B98C-4925-8C89-C0255E725D3A}" type="datetimeFigureOut">
               <a:rPr lang="en-US" smtClean="0"/>
               <a:pPr/>
-              <a:t>11/27/2012</a:t>
+              <a:t>11/30/2012</a:t>
             </a:fld>
             <a:endParaRPr lang="en-GB" dirty="0"/>
           </a:p>
@@ -1686,7 +1686,7 @@
             <a:fld id="{F1B0A585-B98C-4925-8C89-C0255E725D3A}" type="datetimeFigureOut">
               <a:rPr lang="en-US" smtClean="0"/>
               <a:pPr/>
-              <a:t>11/27/2012</a:t>
+              <a:t>11/30/2012</a:t>
             </a:fld>
             <a:endParaRPr lang="en-GB" dirty="0"/>
           </a:p>
@@ -2105,7 +2105,7 @@
             <a:fld id="{F1B0A585-B98C-4925-8C89-C0255E725D3A}" type="datetimeFigureOut">
               <a:rPr lang="en-US" smtClean="0"/>
               <a:pPr/>
-              <a:t>11/27/2012</a:t>
+              <a:t>11/30/2012</a:t>
             </a:fld>
             <a:endParaRPr lang="en-GB" dirty="0"/>
           </a:p>
@@ -2220,7 +2220,7 @@
             <a:fld id="{F1B0A585-B98C-4925-8C89-C0255E725D3A}" type="datetimeFigureOut">
               <a:rPr lang="en-US" smtClean="0"/>
               <a:pPr/>
-              <a:t>11/27/2012</a:t>
+              <a:t>11/30/2012</a:t>
             </a:fld>
             <a:endParaRPr lang="en-GB" dirty="0"/>
           </a:p>
@@ -2312,7 +2312,7 @@
             <a:fld id="{F1B0A585-B98C-4925-8C89-C0255E725D3A}" type="datetimeFigureOut">
               <a:rPr lang="en-US" smtClean="0"/>
               <a:pPr/>
-              <a:t>11/27/2012</a:t>
+              <a:t>11/30/2012</a:t>
             </a:fld>
             <a:endParaRPr lang="en-GB" dirty="0"/>
           </a:p>
@@ -2586,7 +2586,7 @@
             <a:fld id="{F1B0A585-B98C-4925-8C89-C0255E725D3A}" type="datetimeFigureOut">
               <a:rPr lang="en-US" smtClean="0"/>
               <a:pPr/>
-              <a:t>11/27/2012</a:t>
+              <a:t>11/30/2012</a:t>
             </a:fld>
             <a:endParaRPr lang="en-GB" dirty="0"/>
           </a:p>
@@ -2836,7 +2836,7 @@
             <a:fld id="{F1B0A585-B98C-4925-8C89-C0255E725D3A}" type="datetimeFigureOut">
               <a:rPr lang="en-US" smtClean="0"/>
               <a:pPr/>
-              <a:t>11/27/2012</a:t>
+              <a:t>11/30/2012</a:t>
             </a:fld>
             <a:endParaRPr lang="en-GB" dirty="0"/>
           </a:p>
@@ -3046,7 +3046,7 @@
             <a:fld id="{F1B0A585-B98C-4925-8C89-C0255E725D3A}" type="datetimeFigureOut">
               <a:rPr lang="en-US" smtClean="0"/>
               <a:pPr/>
-              <a:t>11/27/2012</a:t>
+              <a:t>11/30/2012</a:t>
             </a:fld>
             <a:endParaRPr lang="en-GB" dirty="0"/>
           </a:p>
@@ -5084,7 +5084,7 @@
                   <a:lumMod val="50000"/>
                 </a:schemeClr>
               </a:solidFill>
-              <a:prstDash val="dash"/>
+              <a:prstDash val="solid"/>
             </a:ln>
           </p:spPr>
           <p:style>
@@ -6216,7 +6216,7 @@
                   <a:lumMod val="50000"/>
                 </a:schemeClr>
               </a:solidFill>
-              <a:prstDash val="dash"/>
+              <a:prstDash val="solid"/>
             </a:ln>
           </p:spPr>
           <p:style>
@@ -7389,11 +7389,6 @@
                 </a:rPr>
                 <a:t>cvParam / userParam</a:t>
               </a:r>
-              <a:endParaRPr lang="en-GB" sz="1400" dirty="0" smtClean="0">
-                <a:solidFill>
-                  <a:schemeClr val="tx1"/>
-                </a:solidFill>
-              </a:endParaRPr>
             </a:p>
           </p:txBody>
         </p:sp>
@@ -7489,11 +7484,6 @@
                 </a:rPr>
                 <a:t>Modification</a:t>
               </a:r>
-              <a:endParaRPr lang="en-GB" sz="1400" dirty="0" smtClean="0">
-                <a:solidFill>
-                  <a:schemeClr val="tx1"/>
-                </a:solidFill>
-              </a:endParaRPr>
             </a:p>
           </p:txBody>
         </p:sp>
@@ -8353,11 +8343,6 @@
                 </a:rPr>
                 <a:t>Feature</a:t>
               </a:r>
-              <a:endParaRPr lang="en-GB" sz="1400" dirty="0" smtClean="0">
-                <a:solidFill>
-                  <a:schemeClr val="tx1"/>
-                </a:solidFill>
-              </a:endParaRPr>
             </a:p>
           </p:txBody>
         </p:sp>
@@ -8417,11 +8402,6 @@
                 </a:rPr>
                 <a:t>cvParam / userParam</a:t>
               </a:r>
-              <a:endParaRPr lang="en-GB" sz="1400" dirty="0" smtClean="0">
-                <a:solidFill>
-                  <a:schemeClr val="tx1"/>
-                </a:solidFill>
-              </a:endParaRPr>
             </a:p>
           </p:txBody>
         </p:sp>
